--- a/1階内装.pptx
+++ b/1階内装.pptx
@@ -4,8 +4,13 @@
   <p:sldMasterIdLst>
     <p:sldMasterId id="2147483648" r:id="rId1"/>
   </p:sldMasterIdLst>
+  <p:notesMasterIdLst>
+    <p:notesMasterId r:id="rId5"/>
+  </p:notesMasterIdLst>
   <p:sldIdLst>
     <p:sldId id="256" r:id="rId2"/>
+    <p:sldId id="257" r:id="rId3"/>
+    <p:sldId id="258" r:id="rId4"/>
   </p:sldIdLst>
   <p:sldSz cx="12192000" cy="6858000"/>
   <p:notesSz cx="6858000" cy="9144000"/>
@@ -104,6 +109,11 @@
       </a:defRPr>
     </a:lvl9pPr>
   </p:defaultTextStyle>
+  <p:extLst>
+    <p:ext uri="{EFAFB233-063F-42B5-8137-9DF3F51BA10A}">
+      <p15:sldGuideLst xmlns:p15="http://schemas.microsoft.com/office/powerpoint/2012/main"/>
+    </p:ext>
+  </p:extLst>
 </p:presentation>
 </file>
 
@@ -142,6 +152,388 @@
 </p:cmLst>
 </file>
 
+<file path=ppt/notesMasters/notesMaster1.xml><?xml version="1.0" encoding="utf-8"?>
+<p:notesMaster xmlns:a="http://schemas.openxmlformats.org/drawingml/2006/main" xmlns:r="http://schemas.openxmlformats.org/officeDocument/2006/relationships" xmlns:p="http://schemas.openxmlformats.org/presentationml/2006/main">
+  <p:cSld>
+    <p:bg>
+      <p:bgRef idx="1001">
+        <a:schemeClr val="bg1"/>
+      </p:bgRef>
+    </p:bg>
+    <p:spTree>
+      <p:nvGrpSpPr>
+        <p:cNvPr id="1" name=""/>
+        <p:cNvGrpSpPr/>
+        <p:nvPr/>
+      </p:nvGrpSpPr>
+      <p:grpSpPr>
+        <a:xfrm>
+          <a:off x="0" y="0"/>
+          <a:ext cx="0" cy="0"/>
+          <a:chOff x="0" y="0"/>
+          <a:chExt cx="0" cy="0"/>
+        </a:xfrm>
+      </p:grpSpPr>
+      <p:sp>
+        <p:nvSpPr>
+          <p:cNvPr id="2" name="ヘッダー プレースホルダー 1"/>
+          <p:cNvSpPr>
+            <a:spLocks noGrp="1"/>
+          </p:cNvSpPr>
+          <p:nvPr>
+            <p:ph type="hdr" sz="quarter"/>
+          </p:nvPr>
+        </p:nvSpPr>
+        <p:spPr>
+          <a:xfrm>
+            <a:off x="0" y="0"/>
+            <a:ext cx="2971800" cy="458788"/>
+          </a:xfrm>
+          <a:prstGeom prst="rect">
+            <a:avLst/>
+          </a:prstGeom>
+        </p:spPr>
+        <p:txBody>
+          <a:bodyPr vert="horz" lIns="91440" tIns="45720" rIns="91440" bIns="45720" rtlCol="0"/>
+          <a:lstStyle>
+            <a:lvl1pPr algn="l">
+              <a:defRPr sz="1200"/>
+            </a:lvl1pPr>
+          </a:lstStyle>
+          <a:p>
+            <a:endParaRPr kumimoji="1" lang="ja-JP" altLang="en-US"/>
+          </a:p>
+        </p:txBody>
+      </p:sp>
+      <p:sp>
+        <p:nvSpPr>
+          <p:cNvPr id="3" name="日付プレースホルダー 2"/>
+          <p:cNvSpPr>
+            <a:spLocks noGrp="1"/>
+          </p:cNvSpPr>
+          <p:nvPr>
+            <p:ph type="dt" idx="1"/>
+          </p:nvPr>
+        </p:nvSpPr>
+        <p:spPr>
+          <a:xfrm>
+            <a:off x="3884613" y="0"/>
+            <a:ext cx="2971800" cy="458788"/>
+          </a:xfrm>
+          <a:prstGeom prst="rect">
+            <a:avLst/>
+          </a:prstGeom>
+        </p:spPr>
+        <p:txBody>
+          <a:bodyPr vert="horz" lIns="91440" tIns="45720" rIns="91440" bIns="45720" rtlCol="0"/>
+          <a:lstStyle>
+            <a:lvl1pPr algn="r">
+              <a:defRPr sz="1200"/>
+            </a:lvl1pPr>
+          </a:lstStyle>
+          <a:p>
+            <a:fld id="{FDEC9AD4-A806-4C71-BEDC-C3767F96340F}" type="datetimeFigureOut">
+              <a:rPr kumimoji="1" lang="ja-JP" altLang="en-US" smtClean="0"/>
+              <a:t>2022/1/11</a:t>
+            </a:fld>
+            <a:endParaRPr kumimoji="1" lang="ja-JP" altLang="en-US"/>
+          </a:p>
+        </p:txBody>
+      </p:sp>
+      <p:sp>
+        <p:nvSpPr>
+          <p:cNvPr id="4" name="スライド イメージ プレースホルダー 3"/>
+          <p:cNvSpPr>
+            <a:spLocks noGrp="1" noRot="1" noChangeAspect="1"/>
+          </p:cNvSpPr>
+          <p:nvPr>
+            <p:ph type="sldImg" idx="2"/>
+          </p:nvPr>
+        </p:nvSpPr>
+        <p:spPr>
+          <a:xfrm>
+            <a:off x="685800" y="1143000"/>
+            <a:ext cx="5486400" cy="3086100"/>
+          </a:xfrm>
+          <a:prstGeom prst="rect">
+            <a:avLst/>
+          </a:prstGeom>
+          <a:noFill/>
+          <a:ln w="12700">
+            <a:solidFill>
+              <a:prstClr val="black"/>
+            </a:solidFill>
+          </a:ln>
+        </p:spPr>
+        <p:txBody>
+          <a:bodyPr vert="horz" lIns="91440" tIns="45720" rIns="91440" bIns="45720" rtlCol="0" anchor="ctr"/>
+          <a:lstStyle/>
+          <a:p>
+            <a:endParaRPr lang="ja-JP" altLang="en-US"/>
+          </a:p>
+        </p:txBody>
+      </p:sp>
+      <p:sp>
+        <p:nvSpPr>
+          <p:cNvPr id="5" name="ノート プレースホルダー 4"/>
+          <p:cNvSpPr>
+            <a:spLocks noGrp="1"/>
+          </p:cNvSpPr>
+          <p:nvPr>
+            <p:ph type="body" sz="quarter" idx="3"/>
+          </p:nvPr>
+        </p:nvSpPr>
+        <p:spPr>
+          <a:xfrm>
+            <a:off x="685800" y="4400550"/>
+            <a:ext cx="5486400" cy="3600450"/>
+          </a:xfrm>
+          <a:prstGeom prst="rect">
+            <a:avLst/>
+          </a:prstGeom>
+        </p:spPr>
+        <p:txBody>
+          <a:bodyPr vert="horz" lIns="91440" tIns="45720" rIns="91440" bIns="45720" rtlCol="0"/>
+          <a:lstStyle/>
+          <a:p>
+            <a:pPr lvl="0"/>
+            <a:r>
+              <a:rPr kumimoji="1" lang="ja-JP" altLang="en-US" smtClean="0"/>
+              <a:t>マスター テキストの書式設定</a:t>
+            </a:r>
+          </a:p>
+          <a:p>
+            <a:pPr lvl="1"/>
+            <a:r>
+              <a:rPr kumimoji="1" lang="ja-JP" altLang="en-US" smtClean="0"/>
+              <a:t>第 </a:t>
+            </a:r>
+            <a:r>
+              <a:rPr kumimoji="1" lang="en-US" altLang="ja-JP" smtClean="0"/>
+              <a:t>2 </a:t>
+            </a:r>
+            <a:r>
+              <a:rPr kumimoji="1" lang="ja-JP" altLang="en-US" smtClean="0"/>
+              <a:t>レベル</a:t>
+            </a:r>
+          </a:p>
+          <a:p>
+            <a:pPr lvl="2"/>
+            <a:r>
+              <a:rPr kumimoji="1" lang="ja-JP" altLang="en-US" smtClean="0"/>
+              <a:t>第 </a:t>
+            </a:r>
+            <a:r>
+              <a:rPr kumimoji="1" lang="en-US" altLang="ja-JP" smtClean="0"/>
+              <a:t>3 </a:t>
+            </a:r>
+            <a:r>
+              <a:rPr kumimoji="1" lang="ja-JP" altLang="en-US" smtClean="0"/>
+              <a:t>レベル</a:t>
+            </a:r>
+          </a:p>
+          <a:p>
+            <a:pPr lvl="3"/>
+            <a:r>
+              <a:rPr kumimoji="1" lang="ja-JP" altLang="en-US" smtClean="0"/>
+              <a:t>第 </a:t>
+            </a:r>
+            <a:r>
+              <a:rPr kumimoji="1" lang="en-US" altLang="ja-JP" smtClean="0"/>
+              <a:t>4 </a:t>
+            </a:r>
+            <a:r>
+              <a:rPr kumimoji="1" lang="ja-JP" altLang="en-US" smtClean="0"/>
+              <a:t>レベル</a:t>
+            </a:r>
+          </a:p>
+          <a:p>
+            <a:pPr lvl="4"/>
+            <a:r>
+              <a:rPr kumimoji="1" lang="ja-JP" altLang="en-US" smtClean="0"/>
+              <a:t>第 </a:t>
+            </a:r>
+            <a:r>
+              <a:rPr kumimoji="1" lang="en-US" altLang="ja-JP" smtClean="0"/>
+              <a:t>5 </a:t>
+            </a:r>
+            <a:r>
+              <a:rPr kumimoji="1" lang="ja-JP" altLang="en-US" smtClean="0"/>
+              <a:t>レベル</a:t>
+            </a:r>
+            <a:endParaRPr kumimoji="1" lang="ja-JP" altLang="en-US"/>
+          </a:p>
+        </p:txBody>
+      </p:sp>
+      <p:sp>
+        <p:nvSpPr>
+          <p:cNvPr id="6" name="フッター プレースホルダー 5"/>
+          <p:cNvSpPr>
+            <a:spLocks noGrp="1"/>
+          </p:cNvSpPr>
+          <p:nvPr>
+            <p:ph type="ftr" sz="quarter" idx="4"/>
+          </p:nvPr>
+        </p:nvSpPr>
+        <p:spPr>
+          <a:xfrm>
+            <a:off x="0" y="8685213"/>
+            <a:ext cx="2971800" cy="458787"/>
+          </a:xfrm>
+          <a:prstGeom prst="rect">
+            <a:avLst/>
+          </a:prstGeom>
+        </p:spPr>
+        <p:txBody>
+          <a:bodyPr vert="horz" lIns="91440" tIns="45720" rIns="91440" bIns="45720" rtlCol="0" anchor="b"/>
+          <a:lstStyle>
+            <a:lvl1pPr algn="l">
+              <a:defRPr sz="1200"/>
+            </a:lvl1pPr>
+          </a:lstStyle>
+          <a:p>
+            <a:endParaRPr kumimoji="1" lang="ja-JP" altLang="en-US"/>
+          </a:p>
+        </p:txBody>
+      </p:sp>
+      <p:sp>
+        <p:nvSpPr>
+          <p:cNvPr id="7" name="スライド番号プレースホルダー 6"/>
+          <p:cNvSpPr>
+            <a:spLocks noGrp="1"/>
+          </p:cNvSpPr>
+          <p:nvPr>
+            <p:ph type="sldNum" sz="quarter" idx="5"/>
+          </p:nvPr>
+        </p:nvSpPr>
+        <p:spPr>
+          <a:xfrm>
+            <a:off x="3884613" y="8685213"/>
+            <a:ext cx="2971800" cy="458787"/>
+          </a:xfrm>
+          <a:prstGeom prst="rect">
+            <a:avLst/>
+          </a:prstGeom>
+        </p:spPr>
+        <p:txBody>
+          <a:bodyPr vert="horz" lIns="91440" tIns="45720" rIns="91440" bIns="45720" rtlCol="0" anchor="b"/>
+          <a:lstStyle>
+            <a:lvl1pPr algn="r">
+              <a:defRPr sz="1200"/>
+            </a:lvl1pPr>
+          </a:lstStyle>
+          <a:p>
+            <a:fld id="{114FFF8B-93FA-4DF3-8D71-1C5BFDBDF97A}" type="slidenum">
+              <a:rPr kumimoji="1" lang="ja-JP" altLang="en-US" smtClean="0"/>
+              <a:t>‹#›</a:t>
+            </a:fld>
+            <a:endParaRPr kumimoji="1" lang="ja-JP" altLang="en-US"/>
+          </a:p>
+        </p:txBody>
+      </p:sp>
+    </p:spTree>
+    <p:extLst>
+      <p:ext uri="{BB962C8B-B14F-4D97-AF65-F5344CB8AC3E}">
+        <p14:creationId xmlns:p14="http://schemas.microsoft.com/office/powerpoint/2010/main" val="839690752"/>
+      </p:ext>
+    </p:extLst>
+  </p:cSld>
+  <p:clrMap bg1="lt1" tx1="dk1" bg2="lt2" tx2="dk2" accent1="accent1" accent2="accent2" accent3="accent3" accent4="accent4" accent5="accent5" accent6="accent6" hlink="hlink" folHlink="folHlink"/>
+  <p:notesStyle>
+    <a:lvl1pPr marL="0" algn="l" defTabSz="914400" rtl="0" eaLnBrk="1" latinLnBrk="0" hangingPunct="1">
+      <a:defRPr kumimoji="1" sz="1200" kern="1200">
+        <a:solidFill>
+          <a:schemeClr val="tx1"/>
+        </a:solidFill>
+        <a:latin typeface="+mn-lt"/>
+        <a:ea typeface="+mn-ea"/>
+        <a:cs typeface="+mn-cs"/>
+      </a:defRPr>
+    </a:lvl1pPr>
+    <a:lvl2pPr marL="457200" algn="l" defTabSz="914400" rtl="0" eaLnBrk="1" latinLnBrk="0" hangingPunct="1">
+      <a:defRPr kumimoji="1" sz="1200" kern="1200">
+        <a:solidFill>
+          <a:schemeClr val="tx1"/>
+        </a:solidFill>
+        <a:latin typeface="+mn-lt"/>
+        <a:ea typeface="+mn-ea"/>
+        <a:cs typeface="+mn-cs"/>
+      </a:defRPr>
+    </a:lvl2pPr>
+    <a:lvl3pPr marL="914400" algn="l" defTabSz="914400" rtl="0" eaLnBrk="1" latinLnBrk="0" hangingPunct="1">
+      <a:defRPr kumimoji="1" sz="1200" kern="1200">
+        <a:solidFill>
+          <a:schemeClr val="tx1"/>
+        </a:solidFill>
+        <a:latin typeface="+mn-lt"/>
+        <a:ea typeface="+mn-ea"/>
+        <a:cs typeface="+mn-cs"/>
+      </a:defRPr>
+    </a:lvl3pPr>
+    <a:lvl4pPr marL="1371600" algn="l" defTabSz="914400" rtl="0" eaLnBrk="1" latinLnBrk="0" hangingPunct="1">
+      <a:defRPr kumimoji="1" sz="1200" kern="1200">
+        <a:solidFill>
+          <a:schemeClr val="tx1"/>
+        </a:solidFill>
+        <a:latin typeface="+mn-lt"/>
+        <a:ea typeface="+mn-ea"/>
+        <a:cs typeface="+mn-cs"/>
+      </a:defRPr>
+    </a:lvl4pPr>
+    <a:lvl5pPr marL="1828800" algn="l" defTabSz="914400" rtl="0" eaLnBrk="1" latinLnBrk="0" hangingPunct="1">
+      <a:defRPr kumimoji="1" sz="1200" kern="1200">
+        <a:solidFill>
+          <a:schemeClr val="tx1"/>
+        </a:solidFill>
+        <a:latin typeface="+mn-lt"/>
+        <a:ea typeface="+mn-ea"/>
+        <a:cs typeface="+mn-cs"/>
+      </a:defRPr>
+    </a:lvl5pPr>
+    <a:lvl6pPr marL="2286000" algn="l" defTabSz="914400" rtl="0" eaLnBrk="1" latinLnBrk="0" hangingPunct="1">
+      <a:defRPr kumimoji="1" sz="1200" kern="1200">
+        <a:solidFill>
+          <a:schemeClr val="tx1"/>
+        </a:solidFill>
+        <a:latin typeface="+mn-lt"/>
+        <a:ea typeface="+mn-ea"/>
+        <a:cs typeface="+mn-cs"/>
+      </a:defRPr>
+    </a:lvl6pPr>
+    <a:lvl7pPr marL="2743200" algn="l" defTabSz="914400" rtl="0" eaLnBrk="1" latinLnBrk="0" hangingPunct="1">
+      <a:defRPr kumimoji="1" sz="1200" kern="1200">
+        <a:solidFill>
+          <a:schemeClr val="tx1"/>
+        </a:solidFill>
+        <a:latin typeface="+mn-lt"/>
+        <a:ea typeface="+mn-ea"/>
+        <a:cs typeface="+mn-cs"/>
+      </a:defRPr>
+    </a:lvl7pPr>
+    <a:lvl8pPr marL="3200400" algn="l" defTabSz="914400" rtl="0" eaLnBrk="1" latinLnBrk="0" hangingPunct="1">
+      <a:defRPr kumimoji="1" sz="1200" kern="1200">
+        <a:solidFill>
+          <a:schemeClr val="tx1"/>
+        </a:solidFill>
+        <a:latin typeface="+mn-lt"/>
+        <a:ea typeface="+mn-ea"/>
+        <a:cs typeface="+mn-cs"/>
+      </a:defRPr>
+    </a:lvl8pPr>
+    <a:lvl9pPr marL="3657600" algn="l" defTabSz="914400" rtl="0" eaLnBrk="1" latinLnBrk="0" hangingPunct="1">
+      <a:defRPr kumimoji="1" sz="1200" kern="1200">
+        <a:solidFill>
+          <a:schemeClr val="tx1"/>
+        </a:solidFill>
+        <a:latin typeface="+mn-lt"/>
+        <a:ea typeface="+mn-ea"/>
+        <a:cs typeface="+mn-cs"/>
+      </a:defRPr>
+    </a:lvl9pPr>
+  </p:notesStyle>
+</p:notesMaster>
+</file>
+
 <file path=ppt/slideLayouts/slideLayout1.xml><?xml version="1.0" encoding="utf-8"?>
 <p:sldLayout xmlns:a="http://schemas.openxmlformats.org/drawingml/2006/main" xmlns:r="http://schemas.openxmlformats.org/officeDocument/2006/relationships" xmlns:p="http://schemas.openxmlformats.org/presentationml/2006/main" type="title" preserve="1">
   <p:cSld name="タイトル スライド">
@@ -273,7 +665,7 @@
           <a:p>
             <a:fld id="{2612F8D8-C068-4CD7-8014-4F57FA952F4F}" type="datetimeFigureOut">
               <a:rPr kumimoji="1" lang="ja-JP" altLang="en-US" smtClean="0"/>
-              <a:t>2022/1/2</a:t>
+              <a:t>2022/1/11</a:t>
             </a:fld>
             <a:endParaRPr kumimoji="1" lang="ja-JP" altLang="en-US"/>
           </a:p>
@@ -475,7 +867,7 @@
           <a:p>
             <a:fld id="{2612F8D8-C068-4CD7-8014-4F57FA952F4F}" type="datetimeFigureOut">
               <a:rPr kumimoji="1" lang="ja-JP" altLang="en-US" smtClean="0"/>
-              <a:t>2022/1/2</a:t>
+              <a:t>2022/1/11</a:t>
             </a:fld>
             <a:endParaRPr kumimoji="1" lang="ja-JP" altLang="en-US"/>
           </a:p>
@@ -687,7 +1079,7 @@
           <a:p>
             <a:fld id="{2612F8D8-C068-4CD7-8014-4F57FA952F4F}" type="datetimeFigureOut">
               <a:rPr kumimoji="1" lang="ja-JP" altLang="en-US" smtClean="0"/>
-              <a:t>2022/1/2</a:t>
+              <a:t>2022/1/11</a:t>
             </a:fld>
             <a:endParaRPr kumimoji="1" lang="ja-JP" altLang="en-US"/>
           </a:p>
@@ -889,7 +1281,7 @@
           <a:p>
             <a:fld id="{2612F8D8-C068-4CD7-8014-4F57FA952F4F}" type="datetimeFigureOut">
               <a:rPr kumimoji="1" lang="ja-JP" altLang="en-US" smtClean="0"/>
-              <a:t>2022/1/2</a:t>
+              <a:t>2022/1/11</a:t>
             </a:fld>
             <a:endParaRPr kumimoji="1" lang="ja-JP" altLang="en-US"/>
           </a:p>
@@ -1135,7 +1527,7 @@
           <a:p>
             <a:fld id="{2612F8D8-C068-4CD7-8014-4F57FA952F4F}" type="datetimeFigureOut">
               <a:rPr kumimoji="1" lang="ja-JP" altLang="en-US" smtClean="0"/>
-              <a:t>2022/1/2</a:t>
+              <a:t>2022/1/11</a:t>
             </a:fld>
             <a:endParaRPr kumimoji="1" lang="ja-JP" altLang="en-US"/>
           </a:p>
@@ -1431,7 +1823,7 @@
           <a:p>
             <a:fld id="{2612F8D8-C068-4CD7-8014-4F57FA952F4F}" type="datetimeFigureOut">
               <a:rPr kumimoji="1" lang="ja-JP" altLang="en-US" smtClean="0"/>
-              <a:t>2022/1/2</a:t>
+              <a:t>2022/1/11</a:t>
             </a:fld>
             <a:endParaRPr kumimoji="1" lang="ja-JP" altLang="en-US"/>
           </a:p>
@@ -1862,7 +2254,7 @@
           <a:p>
             <a:fld id="{2612F8D8-C068-4CD7-8014-4F57FA952F4F}" type="datetimeFigureOut">
               <a:rPr kumimoji="1" lang="ja-JP" altLang="en-US" smtClean="0"/>
-              <a:t>2022/1/2</a:t>
+              <a:t>2022/1/11</a:t>
             </a:fld>
             <a:endParaRPr kumimoji="1" lang="ja-JP" altLang="en-US"/>
           </a:p>
@@ -1980,7 +2372,7 @@
           <a:p>
             <a:fld id="{2612F8D8-C068-4CD7-8014-4F57FA952F4F}" type="datetimeFigureOut">
               <a:rPr kumimoji="1" lang="ja-JP" altLang="en-US" smtClean="0"/>
-              <a:t>2022/1/2</a:t>
+              <a:t>2022/1/11</a:t>
             </a:fld>
             <a:endParaRPr kumimoji="1" lang="ja-JP" altLang="en-US"/>
           </a:p>
@@ -2075,7 +2467,7 @@
           <a:p>
             <a:fld id="{2612F8D8-C068-4CD7-8014-4F57FA952F4F}" type="datetimeFigureOut">
               <a:rPr kumimoji="1" lang="ja-JP" altLang="en-US" smtClean="0"/>
-              <a:t>2022/1/2</a:t>
+              <a:t>2022/1/11</a:t>
             </a:fld>
             <a:endParaRPr kumimoji="1" lang="ja-JP" altLang="en-US"/>
           </a:p>
@@ -2384,7 +2776,7 @@
           <a:p>
             <a:fld id="{2612F8D8-C068-4CD7-8014-4F57FA952F4F}" type="datetimeFigureOut">
               <a:rPr kumimoji="1" lang="ja-JP" altLang="en-US" smtClean="0"/>
-              <a:t>2022/1/2</a:t>
+              <a:t>2022/1/11</a:t>
             </a:fld>
             <a:endParaRPr kumimoji="1" lang="ja-JP" altLang="en-US"/>
           </a:p>
@@ -2637,7 +3029,7 @@
           <a:p>
             <a:fld id="{2612F8D8-C068-4CD7-8014-4F57FA952F4F}" type="datetimeFigureOut">
               <a:rPr kumimoji="1" lang="ja-JP" altLang="en-US" smtClean="0"/>
-              <a:t>2022/1/2</a:t>
+              <a:t>2022/1/11</a:t>
             </a:fld>
             <a:endParaRPr kumimoji="1" lang="ja-JP" altLang="en-US"/>
           </a:p>
@@ -2882,7 +3274,7 @@
           <a:p>
             <a:fld id="{2612F8D8-C068-4CD7-8014-4F57FA952F4F}" type="datetimeFigureOut">
               <a:rPr kumimoji="1" lang="ja-JP" altLang="en-US" smtClean="0"/>
-              <a:t>2022/1/2</a:t>
+              <a:t>2022/1/11</a:t>
             </a:fld>
             <a:endParaRPr kumimoji="1" lang="ja-JP" altLang="en-US"/>
           </a:p>
@@ -3348,7 +3740,7 @@
         </p:nvSpPr>
         <p:spPr>
           <a:xfrm>
-            <a:off x="1343890" y="207352"/>
+            <a:off x="1313409" y="213966"/>
             <a:ext cx="9498676" cy="5920827"/>
           </a:xfrm>
           <a:prstGeom prst="rect">
@@ -3970,10 +4362,866 @@
           </a:p>
         </p:txBody>
       </p:sp>
+      <p:sp>
+        <p:nvSpPr>
+          <p:cNvPr id="4" name="テキスト ボックス 3"/>
+          <p:cNvSpPr txBox="1"/>
+          <p:nvPr/>
+        </p:nvSpPr>
+        <p:spPr>
+          <a:xfrm>
+            <a:off x="4048297" y="448887"/>
+            <a:ext cx="3499659" cy="646331"/>
+          </a:xfrm>
+          <a:prstGeom prst="rect">
+            <a:avLst/>
+          </a:prstGeom>
+          <a:noFill/>
+        </p:spPr>
+        <p:txBody>
+          <a:bodyPr wrap="square" rtlCol="0">
+            <a:spAutoFit/>
+          </a:bodyPr>
+          <a:lstStyle/>
+          <a:p>
+            <a:r>
+              <a:rPr lang="ja-JP" altLang="en-US" dirty="0" smtClean="0"/>
+              <a:t>カメとか水辺にいそうなデカ</a:t>
+            </a:r>
+            <a:r>
+              <a:rPr lang="ja-JP" altLang="en-US" dirty="0" err="1" smtClean="0"/>
+              <a:t>い</a:t>
+            </a:r>
+            <a:r>
+              <a:rPr lang="ja-JP" altLang="en-US" dirty="0" smtClean="0"/>
+              <a:t>やつゾーン</a:t>
+            </a:r>
+            <a:endParaRPr lang="en-US" altLang="ja-JP" dirty="0" smtClean="0"/>
+          </a:p>
+        </p:txBody>
+      </p:sp>
+      <p:sp>
+        <p:nvSpPr>
+          <p:cNvPr id="5" name="テキスト ボックス 4"/>
+          <p:cNvSpPr txBox="1"/>
+          <p:nvPr/>
+        </p:nvSpPr>
+        <p:spPr>
+          <a:xfrm>
+            <a:off x="4156364" y="4887884"/>
+            <a:ext cx="3591098" cy="369332"/>
+          </a:xfrm>
+          <a:prstGeom prst="rect">
+            <a:avLst/>
+          </a:prstGeom>
+          <a:noFill/>
+        </p:spPr>
+        <p:txBody>
+          <a:bodyPr wrap="square" rtlCol="0">
+            <a:spAutoFit/>
+          </a:bodyPr>
+          <a:lstStyle/>
+          <a:p>
+            <a:r>
+              <a:rPr kumimoji="1" lang="ja-JP" altLang="en-US" smtClean="0"/>
+              <a:t>小さい爬虫類とかの展示ゾーン</a:t>
+            </a:r>
+            <a:endParaRPr kumimoji="1" lang="ja-JP" altLang="en-US"/>
+          </a:p>
+        </p:txBody>
+      </p:sp>
+      <p:sp>
+        <p:nvSpPr>
+          <p:cNvPr id="6" name="テキスト ボックス 5"/>
+          <p:cNvSpPr txBox="1"/>
+          <p:nvPr/>
+        </p:nvSpPr>
+        <p:spPr>
+          <a:xfrm>
+            <a:off x="8656315" y="2735816"/>
+            <a:ext cx="1850965" cy="646331"/>
+          </a:xfrm>
+          <a:prstGeom prst="rect">
+            <a:avLst/>
+          </a:prstGeom>
+          <a:noFill/>
+        </p:spPr>
+        <p:txBody>
+          <a:bodyPr wrap="square" rtlCol="0">
+            <a:spAutoFit/>
+          </a:bodyPr>
+          <a:lstStyle/>
+          <a:p>
+            <a:r>
+              <a:rPr kumimoji="1" lang="ja-JP" altLang="en-US" dirty="0" smtClean="0"/>
+              <a:t>鳥とかのふれあいゾーン</a:t>
+            </a:r>
+            <a:endParaRPr kumimoji="1" lang="ja-JP" altLang="en-US" dirty="0"/>
+          </a:p>
+        </p:txBody>
+      </p:sp>
     </p:spTree>
     <p:extLst>
       <p:ext uri="{BB962C8B-B14F-4D97-AF65-F5344CB8AC3E}">
         <p14:creationId xmlns:p14="http://schemas.microsoft.com/office/powerpoint/2010/main" val="541588716"/>
+      </p:ext>
+    </p:extLst>
+  </p:cSld>
+  <p:clrMapOvr>
+    <a:masterClrMapping/>
+  </p:clrMapOvr>
+</p:sld>
+</file>
+
+<file path=ppt/slides/slide2.xml><?xml version="1.0" encoding="utf-8"?>
+<p:sld xmlns:a="http://schemas.openxmlformats.org/drawingml/2006/main" xmlns:r="http://schemas.openxmlformats.org/officeDocument/2006/relationships" xmlns:p="http://schemas.openxmlformats.org/presentationml/2006/main">
+  <p:cSld>
+    <p:spTree>
+      <p:nvGrpSpPr>
+        <p:cNvPr id="1" name=""/>
+        <p:cNvGrpSpPr/>
+        <p:nvPr/>
+      </p:nvGrpSpPr>
+      <p:grpSpPr>
+        <a:xfrm>
+          <a:off x="0" y="0"/>
+          <a:ext cx="0" cy="0"/>
+          <a:chOff x="0" y="0"/>
+          <a:chExt cx="0" cy="0"/>
+        </a:xfrm>
+      </p:grpSpPr>
+      <p:sp>
+        <p:nvSpPr>
+          <p:cNvPr id="2" name="正方形/長方形 1"/>
+          <p:cNvSpPr/>
+          <p:nvPr/>
+        </p:nvSpPr>
+        <p:spPr>
+          <a:xfrm>
+            <a:off x="798022" y="282633"/>
+            <a:ext cx="10947862" cy="6284422"/>
+          </a:xfrm>
+          <a:prstGeom prst="rect">
+            <a:avLst/>
+          </a:prstGeom>
+          <a:solidFill>
+            <a:schemeClr val="bg1"/>
+          </a:solidFill>
+          <a:ln>
+            <a:solidFill>
+              <a:schemeClr val="tx1"/>
+            </a:solidFill>
+          </a:ln>
+        </p:spPr>
+        <p:style>
+          <a:lnRef idx="2">
+            <a:schemeClr val="accent1">
+              <a:shade val="50000"/>
+            </a:schemeClr>
+          </a:lnRef>
+          <a:fillRef idx="1">
+            <a:schemeClr val="accent1"/>
+          </a:fillRef>
+          <a:effectRef idx="0">
+            <a:schemeClr val="accent1"/>
+          </a:effectRef>
+          <a:fontRef idx="minor">
+            <a:schemeClr val="lt1"/>
+          </a:fontRef>
+        </p:style>
+        <p:txBody>
+          <a:bodyPr rtlCol="0" anchor="ctr"/>
+          <a:lstStyle/>
+          <a:p>
+            <a:pPr algn="ctr"/>
+            <a:endParaRPr kumimoji="1" lang="ja-JP" altLang="en-US"/>
+          </a:p>
+        </p:txBody>
+      </p:sp>
+      <p:sp>
+        <p:nvSpPr>
+          <p:cNvPr id="3" name="正方形/長方形 2"/>
+          <p:cNvSpPr/>
+          <p:nvPr/>
+        </p:nvSpPr>
+        <p:spPr>
+          <a:xfrm>
+            <a:off x="3424842" y="282633"/>
+            <a:ext cx="4929447" cy="2227811"/>
+          </a:xfrm>
+          <a:prstGeom prst="rect">
+            <a:avLst/>
+          </a:prstGeom>
+        </p:spPr>
+        <p:style>
+          <a:lnRef idx="2">
+            <a:schemeClr val="dk1"/>
+          </a:lnRef>
+          <a:fillRef idx="1">
+            <a:schemeClr val="lt1"/>
+          </a:fillRef>
+          <a:effectRef idx="0">
+            <a:schemeClr val="dk1"/>
+          </a:effectRef>
+          <a:fontRef idx="minor">
+            <a:schemeClr val="dk1"/>
+          </a:fontRef>
+        </p:style>
+        <p:txBody>
+          <a:bodyPr rtlCol="0" anchor="ctr"/>
+          <a:lstStyle/>
+          <a:p>
+            <a:pPr algn="ctr"/>
+            <a:endParaRPr kumimoji="1" lang="ja-JP" altLang="en-US"/>
+          </a:p>
+        </p:txBody>
+      </p:sp>
+      <p:sp>
+        <p:nvSpPr>
+          <p:cNvPr id="4" name="正方形/長方形 3"/>
+          <p:cNvSpPr/>
+          <p:nvPr/>
+        </p:nvSpPr>
+        <p:spPr>
+          <a:xfrm>
+            <a:off x="798022" y="706582"/>
+            <a:ext cx="897774" cy="590203"/>
+          </a:xfrm>
+          <a:prstGeom prst="rect">
+            <a:avLst/>
+          </a:prstGeom>
+        </p:spPr>
+        <p:style>
+          <a:lnRef idx="2">
+            <a:schemeClr val="dk1"/>
+          </a:lnRef>
+          <a:fillRef idx="1">
+            <a:schemeClr val="lt1"/>
+          </a:fillRef>
+          <a:effectRef idx="0">
+            <a:schemeClr val="dk1"/>
+          </a:effectRef>
+          <a:fontRef idx="minor">
+            <a:schemeClr val="dk1"/>
+          </a:fontRef>
+        </p:style>
+        <p:txBody>
+          <a:bodyPr rtlCol="0" anchor="ctr"/>
+          <a:lstStyle/>
+          <a:p>
+            <a:pPr algn="ctr"/>
+            <a:endParaRPr kumimoji="1" lang="ja-JP" altLang="en-US"/>
+          </a:p>
+        </p:txBody>
+      </p:sp>
+      <p:sp>
+        <p:nvSpPr>
+          <p:cNvPr id="5" name="テキスト ボックス 4"/>
+          <p:cNvSpPr txBox="1"/>
+          <p:nvPr/>
+        </p:nvSpPr>
+        <p:spPr>
+          <a:xfrm>
+            <a:off x="897775" y="773084"/>
+            <a:ext cx="656705" cy="369332"/>
+          </a:xfrm>
+          <a:prstGeom prst="rect">
+            <a:avLst/>
+          </a:prstGeom>
+          <a:noFill/>
+        </p:spPr>
+        <p:txBody>
+          <a:bodyPr wrap="square" rtlCol="0">
+            <a:spAutoFit/>
+          </a:bodyPr>
+          <a:lstStyle/>
+          <a:p>
+            <a:r>
+              <a:rPr kumimoji="1" lang="ja-JP" altLang="en-US" dirty="0" smtClean="0"/>
+              <a:t>階段</a:t>
+            </a:r>
+            <a:endParaRPr kumimoji="1" lang="en-US" altLang="ja-JP" dirty="0" smtClean="0"/>
+          </a:p>
+        </p:txBody>
+      </p:sp>
+      <p:sp>
+        <p:nvSpPr>
+          <p:cNvPr id="6" name="六角形 5"/>
+          <p:cNvSpPr/>
+          <p:nvPr/>
+        </p:nvSpPr>
+        <p:spPr>
+          <a:xfrm>
+            <a:off x="1695796" y="3196244"/>
+            <a:ext cx="3104801" cy="2685011"/>
+          </a:xfrm>
+          <a:prstGeom prst="hexagon">
+            <a:avLst/>
+          </a:prstGeom>
+        </p:spPr>
+        <p:style>
+          <a:lnRef idx="2">
+            <a:schemeClr val="dk1"/>
+          </a:lnRef>
+          <a:fillRef idx="1">
+            <a:schemeClr val="lt1"/>
+          </a:fillRef>
+          <a:effectRef idx="0">
+            <a:schemeClr val="dk1"/>
+          </a:effectRef>
+          <a:fontRef idx="minor">
+            <a:schemeClr val="dk1"/>
+          </a:fontRef>
+        </p:style>
+        <p:txBody>
+          <a:bodyPr rtlCol="0" anchor="ctr"/>
+          <a:lstStyle/>
+          <a:p>
+            <a:pPr algn="ctr"/>
+            <a:endParaRPr kumimoji="1" lang="ja-JP" altLang="en-US"/>
+          </a:p>
+        </p:txBody>
+      </p:sp>
+      <p:sp>
+        <p:nvSpPr>
+          <p:cNvPr id="7" name="六角形 6"/>
+          <p:cNvSpPr/>
+          <p:nvPr/>
+        </p:nvSpPr>
+        <p:spPr>
+          <a:xfrm>
+            <a:off x="7060276" y="3498273"/>
+            <a:ext cx="3104801" cy="2685011"/>
+          </a:xfrm>
+          <a:prstGeom prst="hexagon">
+            <a:avLst/>
+          </a:prstGeom>
+        </p:spPr>
+        <p:style>
+          <a:lnRef idx="2">
+            <a:schemeClr val="dk1"/>
+          </a:lnRef>
+          <a:fillRef idx="1">
+            <a:schemeClr val="lt1"/>
+          </a:fillRef>
+          <a:effectRef idx="0">
+            <a:schemeClr val="dk1"/>
+          </a:effectRef>
+          <a:fontRef idx="minor">
+            <a:schemeClr val="dk1"/>
+          </a:fontRef>
+        </p:style>
+        <p:txBody>
+          <a:bodyPr rtlCol="0" anchor="ctr"/>
+          <a:lstStyle/>
+          <a:p>
+            <a:pPr algn="ctr"/>
+            <a:endParaRPr kumimoji="1" lang="ja-JP" altLang="en-US"/>
+          </a:p>
+        </p:txBody>
+      </p:sp>
+      <p:sp>
+        <p:nvSpPr>
+          <p:cNvPr id="8" name="テキスト ボックス 7"/>
+          <p:cNvSpPr txBox="1"/>
+          <p:nvPr/>
+        </p:nvSpPr>
+        <p:spPr>
+          <a:xfrm>
+            <a:off x="3931920" y="623455"/>
+            <a:ext cx="4098175" cy="369332"/>
+          </a:xfrm>
+          <a:prstGeom prst="rect">
+            <a:avLst/>
+          </a:prstGeom>
+          <a:noFill/>
+        </p:spPr>
+        <p:txBody>
+          <a:bodyPr wrap="square" rtlCol="0">
+            <a:spAutoFit/>
+          </a:bodyPr>
+          <a:lstStyle/>
+          <a:p>
+            <a:r>
+              <a:rPr kumimoji="1" lang="ja-JP" altLang="en-US" dirty="0" smtClean="0"/>
+              <a:t>ウサギとかそこら辺のふれあいゾーン</a:t>
+            </a:r>
+            <a:endParaRPr kumimoji="1" lang="ja-JP" altLang="en-US" dirty="0"/>
+          </a:p>
+        </p:txBody>
+      </p:sp>
+      <p:sp>
+        <p:nvSpPr>
+          <p:cNvPr id="9" name="テキスト ボックス 8"/>
+          <p:cNvSpPr txBox="1"/>
+          <p:nvPr/>
+        </p:nvSpPr>
+        <p:spPr>
+          <a:xfrm>
+            <a:off x="2402378" y="3699164"/>
+            <a:ext cx="1878677" cy="646331"/>
+          </a:xfrm>
+          <a:prstGeom prst="rect">
+            <a:avLst/>
+          </a:prstGeom>
+          <a:noFill/>
+        </p:spPr>
+        <p:txBody>
+          <a:bodyPr wrap="square" rtlCol="0">
+            <a:spAutoFit/>
+          </a:bodyPr>
+          <a:lstStyle/>
+          <a:p>
+            <a:r>
+              <a:rPr kumimoji="1" lang="ja-JP" altLang="en-US" dirty="0" smtClean="0"/>
+              <a:t>ひよこふれあいゾーン</a:t>
+            </a:r>
+            <a:endParaRPr kumimoji="1" lang="ja-JP" altLang="en-US" dirty="0"/>
+          </a:p>
+        </p:txBody>
+      </p:sp>
+      <p:sp>
+        <p:nvSpPr>
+          <p:cNvPr id="10" name="テキスト ボックス 9"/>
+          <p:cNvSpPr txBox="1"/>
+          <p:nvPr/>
+        </p:nvSpPr>
+        <p:spPr>
+          <a:xfrm>
+            <a:off x="7640087" y="4089861"/>
+            <a:ext cx="1945178" cy="1477328"/>
+          </a:xfrm>
+          <a:prstGeom prst="rect">
+            <a:avLst/>
+          </a:prstGeom>
+          <a:noFill/>
+        </p:spPr>
+        <p:txBody>
+          <a:bodyPr wrap="square" rtlCol="0">
+            <a:spAutoFit/>
+          </a:bodyPr>
+          <a:lstStyle/>
+          <a:p>
+            <a:r>
+              <a:rPr kumimoji="1" lang="ja-JP" altLang="en-US" dirty="0" smtClean="0"/>
+              <a:t>カメレオンとかトカゲとか触れそうな爬虫類とか両生類のゾーン</a:t>
+            </a:r>
+            <a:endParaRPr kumimoji="1" lang="en-US" altLang="ja-JP" dirty="0" smtClean="0"/>
+          </a:p>
+        </p:txBody>
+      </p:sp>
+    </p:spTree>
+    <p:extLst>
+      <p:ext uri="{BB962C8B-B14F-4D97-AF65-F5344CB8AC3E}">
+        <p14:creationId xmlns:p14="http://schemas.microsoft.com/office/powerpoint/2010/main" val="3747496347"/>
+      </p:ext>
+    </p:extLst>
+  </p:cSld>
+  <p:clrMapOvr>
+    <a:masterClrMapping/>
+  </p:clrMapOvr>
+</p:sld>
+</file>
+
+<file path=ppt/slides/slide3.xml><?xml version="1.0" encoding="utf-8"?>
+<p:sld xmlns:a="http://schemas.openxmlformats.org/drawingml/2006/main" xmlns:r="http://schemas.openxmlformats.org/officeDocument/2006/relationships" xmlns:p="http://schemas.openxmlformats.org/presentationml/2006/main">
+  <p:cSld>
+    <p:spTree>
+      <p:nvGrpSpPr>
+        <p:cNvPr id="1" name=""/>
+        <p:cNvGrpSpPr/>
+        <p:nvPr/>
+      </p:nvGrpSpPr>
+      <p:grpSpPr>
+        <a:xfrm>
+          <a:off x="0" y="0"/>
+          <a:ext cx="0" cy="0"/>
+          <a:chOff x="0" y="0"/>
+          <a:chExt cx="0" cy="0"/>
+        </a:xfrm>
+      </p:grpSpPr>
+      <p:sp>
+        <p:nvSpPr>
+          <p:cNvPr id="2" name="正方形/長方形 1"/>
+          <p:cNvSpPr/>
+          <p:nvPr/>
+        </p:nvSpPr>
+        <p:spPr>
+          <a:xfrm>
+            <a:off x="1238596" y="507076"/>
+            <a:ext cx="10332720" cy="6018415"/>
+          </a:xfrm>
+          <a:prstGeom prst="rect">
+            <a:avLst/>
+          </a:prstGeom>
+        </p:spPr>
+        <p:style>
+          <a:lnRef idx="2">
+            <a:schemeClr val="dk1"/>
+          </a:lnRef>
+          <a:fillRef idx="1">
+            <a:schemeClr val="lt1"/>
+          </a:fillRef>
+          <a:effectRef idx="0">
+            <a:schemeClr val="dk1"/>
+          </a:effectRef>
+          <a:fontRef idx="minor">
+            <a:schemeClr val="dk1"/>
+          </a:fontRef>
+        </p:style>
+        <p:txBody>
+          <a:bodyPr rtlCol="0" anchor="ctr"/>
+          <a:lstStyle/>
+          <a:p>
+            <a:pPr algn="ctr"/>
+            <a:endParaRPr kumimoji="1" lang="ja-JP" altLang="en-US"/>
+          </a:p>
+        </p:txBody>
+      </p:sp>
+      <p:sp>
+        <p:nvSpPr>
+          <p:cNvPr id="3" name="正方形/長方形 2"/>
+          <p:cNvSpPr/>
+          <p:nvPr/>
+        </p:nvSpPr>
+        <p:spPr>
+          <a:xfrm>
+            <a:off x="1238596" y="1014152"/>
+            <a:ext cx="1379913" cy="640081"/>
+          </a:xfrm>
+          <a:prstGeom prst="rect">
+            <a:avLst/>
+          </a:prstGeom>
+        </p:spPr>
+        <p:style>
+          <a:lnRef idx="2">
+            <a:schemeClr val="dk1"/>
+          </a:lnRef>
+          <a:fillRef idx="1">
+            <a:schemeClr val="lt1"/>
+          </a:fillRef>
+          <a:effectRef idx="0">
+            <a:schemeClr val="dk1"/>
+          </a:effectRef>
+          <a:fontRef idx="minor">
+            <a:schemeClr val="dk1"/>
+          </a:fontRef>
+        </p:style>
+        <p:txBody>
+          <a:bodyPr rtlCol="0" anchor="ctr"/>
+          <a:lstStyle/>
+          <a:p>
+            <a:pPr algn="ctr"/>
+            <a:endParaRPr kumimoji="1" lang="ja-JP" altLang="en-US"/>
+          </a:p>
+        </p:txBody>
+      </p:sp>
+      <p:sp>
+        <p:nvSpPr>
+          <p:cNvPr id="4" name="テキスト ボックス 3"/>
+          <p:cNvSpPr txBox="1"/>
+          <p:nvPr/>
+        </p:nvSpPr>
+        <p:spPr>
+          <a:xfrm>
+            <a:off x="1371600" y="1155469"/>
+            <a:ext cx="955964" cy="369332"/>
+          </a:xfrm>
+          <a:prstGeom prst="rect">
+            <a:avLst/>
+          </a:prstGeom>
+          <a:noFill/>
+        </p:spPr>
+        <p:txBody>
+          <a:bodyPr wrap="square" rtlCol="0">
+            <a:spAutoFit/>
+          </a:bodyPr>
+          <a:lstStyle/>
+          <a:p>
+            <a:r>
+              <a:rPr kumimoji="1" lang="ja-JP" altLang="en-US" dirty="0" smtClean="0"/>
+              <a:t>階段</a:t>
+            </a:r>
+            <a:endParaRPr kumimoji="1" lang="ja-JP" altLang="en-US" dirty="0"/>
+          </a:p>
+        </p:txBody>
+      </p:sp>
+      <p:sp>
+        <p:nvSpPr>
+          <p:cNvPr id="5" name="正方形/長方形 4"/>
+          <p:cNvSpPr/>
+          <p:nvPr/>
+        </p:nvSpPr>
+        <p:spPr>
+          <a:xfrm>
+            <a:off x="8670174" y="507076"/>
+            <a:ext cx="2901142" cy="3416531"/>
+          </a:xfrm>
+          <a:prstGeom prst="rect">
+            <a:avLst/>
+          </a:prstGeom>
+        </p:spPr>
+        <p:style>
+          <a:lnRef idx="2">
+            <a:schemeClr val="dk1"/>
+          </a:lnRef>
+          <a:fillRef idx="1">
+            <a:schemeClr val="lt1"/>
+          </a:fillRef>
+          <a:effectRef idx="0">
+            <a:schemeClr val="dk1"/>
+          </a:effectRef>
+          <a:fontRef idx="minor">
+            <a:schemeClr val="dk1"/>
+          </a:fontRef>
+        </p:style>
+        <p:txBody>
+          <a:bodyPr rtlCol="0" anchor="ctr"/>
+          <a:lstStyle/>
+          <a:p>
+            <a:pPr algn="ctr"/>
+            <a:endParaRPr kumimoji="1" lang="ja-JP" altLang="en-US"/>
+          </a:p>
+        </p:txBody>
+      </p:sp>
+      <p:sp>
+        <p:nvSpPr>
+          <p:cNvPr id="6" name="テキスト ボックス 5"/>
+          <p:cNvSpPr txBox="1"/>
+          <p:nvPr/>
+        </p:nvSpPr>
+        <p:spPr>
+          <a:xfrm>
+            <a:off x="8994372" y="931025"/>
+            <a:ext cx="1803862" cy="646331"/>
+          </a:xfrm>
+          <a:prstGeom prst="rect">
+            <a:avLst/>
+          </a:prstGeom>
+          <a:noFill/>
+        </p:spPr>
+        <p:txBody>
+          <a:bodyPr wrap="square" rtlCol="0">
+            <a:spAutoFit/>
+          </a:bodyPr>
+          <a:lstStyle/>
+          <a:p>
+            <a:r>
+              <a:rPr kumimoji="1" lang="ja-JP" altLang="en-US" smtClean="0"/>
+              <a:t>オラウータンのゾーン</a:t>
+            </a:r>
+            <a:endParaRPr kumimoji="1" lang="ja-JP" altLang="en-US" dirty="0"/>
+          </a:p>
+        </p:txBody>
+      </p:sp>
+      <p:sp>
+        <p:nvSpPr>
+          <p:cNvPr id="7" name="正方形/長方形 6"/>
+          <p:cNvSpPr/>
+          <p:nvPr/>
+        </p:nvSpPr>
+        <p:spPr>
+          <a:xfrm>
+            <a:off x="9293629" y="4738255"/>
+            <a:ext cx="2277687" cy="1787236"/>
+          </a:xfrm>
+          <a:prstGeom prst="rect">
+            <a:avLst/>
+          </a:prstGeom>
+        </p:spPr>
+        <p:style>
+          <a:lnRef idx="2">
+            <a:schemeClr val="dk1"/>
+          </a:lnRef>
+          <a:fillRef idx="1">
+            <a:schemeClr val="lt1"/>
+          </a:fillRef>
+          <a:effectRef idx="0">
+            <a:schemeClr val="dk1"/>
+          </a:effectRef>
+          <a:fontRef idx="minor">
+            <a:schemeClr val="dk1"/>
+          </a:fontRef>
+        </p:style>
+        <p:txBody>
+          <a:bodyPr rtlCol="0" anchor="ctr"/>
+          <a:lstStyle/>
+          <a:p>
+            <a:pPr algn="ctr"/>
+            <a:endParaRPr kumimoji="1" lang="ja-JP" altLang="en-US"/>
+          </a:p>
+        </p:txBody>
+      </p:sp>
+      <p:sp>
+        <p:nvSpPr>
+          <p:cNvPr id="8" name="テキスト ボックス 7"/>
+          <p:cNvSpPr txBox="1"/>
+          <p:nvPr/>
+        </p:nvSpPr>
+        <p:spPr>
+          <a:xfrm>
+            <a:off x="9601199" y="5311833"/>
+            <a:ext cx="1737360" cy="369332"/>
+          </a:xfrm>
+          <a:prstGeom prst="rect">
+            <a:avLst/>
+          </a:prstGeom>
+          <a:noFill/>
+        </p:spPr>
+        <p:txBody>
+          <a:bodyPr wrap="square" rtlCol="0">
+            <a:spAutoFit/>
+          </a:bodyPr>
+          <a:lstStyle/>
+          <a:p>
+            <a:r>
+              <a:rPr kumimoji="1" lang="ja-JP" altLang="en-US" dirty="0" smtClean="0"/>
+              <a:t>警備室</a:t>
+            </a:r>
+            <a:endParaRPr kumimoji="1" lang="ja-JP" altLang="en-US" dirty="0"/>
+          </a:p>
+        </p:txBody>
+      </p:sp>
+      <p:sp>
+        <p:nvSpPr>
+          <p:cNvPr id="9" name="正方形/長方形 8"/>
+          <p:cNvSpPr/>
+          <p:nvPr/>
+        </p:nvSpPr>
+        <p:spPr>
+          <a:xfrm>
+            <a:off x="1238596" y="2676698"/>
+            <a:ext cx="2053244" cy="3516283"/>
+          </a:xfrm>
+          <a:prstGeom prst="rect">
+            <a:avLst/>
+          </a:prstGeom>
+        </p:spPr>
+        <p:style>
+          <a:lnRef idx="2">
+            <a:schemeClr val="dk1"/>
+          </a:lnRef>
+          <a:fillRef idx="1">
+            <a:schemeClr val="lt1"/>
+          </a:fillRef>
+          <a:effectRef idx="0">
+            <a:schemeClr val="dk1"/>
+          </a:effectRef>
+          <a:fontRef idx="minor">
+            <a:schemeClr val="dk1"/>
+          </a:fontRef>
+        </p:style>
+        <p:txBody>
+          <a:bodyPr rtlCol="0" anchor="ctr"/>
+          <a:lstStyle/>
+          <a:p>
+            <a:pPr algn="ctr"/>
+            <a:endParaRPr kumimoji="1" lang="ja-JP" altLang="en-US"/>
+          </a:p>
+        </p:txBody>
+      </p:sp>
+      <p:sp>
+        <p:nvSpPr>
+          <p:cNvPr id="10" name="テキスト ボックス 9"/>
+          <p:cNvSpPr txBox="1"/>
+          <p:nvPr/>
+        </p:nvSpPr>
+        <p:spPr>
+          <a:xfrm>
+            <a:off x="1446415" y="3133898"/>
+            <a:ext cx="1612669" cy="646331"/>
+          </a:xfrm>
+          <a:prstGeom prst="rect">
+            <a:avLst/>
+          </a:prstGeom>
+          <a:noFill/>
+        </p:spPr>
+        <p:txBody>
+          <a:bodyPr wrap="square" rtlCol="0">
+            <a:spAutoFit/>
+          </a:bodyPr>
+          <a:lstStyle/>
+          <a:p>
+            <a:r>
+              <a:rPr kumimoji="1" lang="ja-JP" altLang="en-US" dirty="0" smtClean="0"/>
+              <a:t>レーサーパンダとか？</a:t>
+            </a:r>
+            <a:endParaRPr kumimoji="1" lang="en-US" altLang="ja-JP" dirty="0" smtClean="0"/>
+          </a:p>
+        </p:txBody>
+      </p:sp>
+      <p:sp>
+        <p:nvSpPr>
+          <p:cNvPr id="11" name="六角形 10"/>
+          <p:cNvSpPr/>
+          <p:nvPr/>
+        </p:nvSpPr>
+        <p:spPr>
+          <a:xfrm>
+            <a:off x="4414058" y="2136371"/>
+            <a:ext cx="3100647" cy="2601884"/>
+          </a:xfrm>
+          <a:prstGeom prst="hexagon">
+            <a:avLst/>
+          </a:prstGeom>
+        </p:spPr>
+        <p:style>
+          <a:lnRef idx="2">
+            <a:schemeClr val="dk1"/>
+          </a:lnRef>
+          <a:fillRef idx="1">
+            <a:schemeClr val="lt1"/>
+          </a:fillRef>
+          <a:effectRef idx="0">
+            <a:schemeClr val="dk1"/>
+          </a:effectRef>
+          <a:fontRef idx="minor">
+            <a:schemeClr val="dk1"/>
+          </a:fontRef>
+        </p:style>
+        <p:txBody>
+          <a:bodyPr rtlCol="0" anchor="ctr"/>
+          <a:lstStyle/>
+          <a:p>
+            <a:pPr algn="ctr"/>
+            <a:endParaRPr kumimoji="1" lang="ja-JP" altLang="en-US"/>
+          </a:p>
+        </p:txBody>
+      </p:sp>
+      <p:sp>
+        <p:nvSpPr>
+          <p:cNvPr id="12" name="テキスト ボックス 11"/>
+          <p:cNvSpPr txBox="1"/>
+          <p:nvPr/>
+        </p:nvSpPr>
+        <p:spPr>
+          <a:xfrm>
+            <a:off x="5195455" y="2676698"/>
+            <a:ext cx="1762298" cy="646331"/>
+          </a:xfrm>
+          <a:prstGeom prst="rect">
+            <a:avLst/>
+          </a:prstGeom>
+          <a:noFill/>
+        </p:spPr>
+        <p:txBody>
+          <a:bodyPr wrap="square" rtlCol="0">
+            <a:spAutoFit/>
+          </a:bodyPr>
+          <a:lstStyle/>
+          <a:p>
+            <a:r>
+              <a:rPr kumimoji="1" lang="ja-JP" altLang="en-US" dirty="0" smtClean="0"/>
+              <a:t>犬ふれあいゾーン</a:t>
+            </a:r>
+            <a:endParaRPr kumimoji="1" lang="ja-JP" altLang="en-US" dirty="0"/>
+          </a:p>
+        </p:txBody>
+      </p:sp>
+    </p:spTree>
+    <p:extLst>
+      <p:ext uri="{BB962C8B-B14F-4D97-AF65-F5344CB8AC3E}">
+        <p14:creationId xmlns:p14="http://schemas.microsoft.com/office/powerpoint/2010/main" val="3761031754"/>
       </p:ext>
     </p:extLst>
   </p:cSld>
@@ -4242,4 +5490,265 @@
     </a:ext>
   </a:extLst>
 </a:theme>
+</file>
+
+<file path=ppt/theme/theme2.xml><?xml version="1.0" encoding="utf-8"?>
+<a:theme xmlns:a="http://schemas.openxmlformats.org/drawingml/2006/main" name="Office テーマ">
+  <a:themeElements>
+    <a:clrScheme name="Office">
+      <a:dk1>
+        <a:sysClr val="windowText" lastClr="000000"/>
+      </a:dk1>
+      <a:lt1>
+        <a:sysClr val="window" lastClr="FFFFFF"/>
+      </a:lt1>
+      <a:dk2>
+        <a:srgbClr val="44546A"/>
+      </a:dk2>
+      <a:lt2>
+        <a:srgbClr val="E7E6E6"/>
+      </a:lt2>
+      <a:accent1>
+        <a:srgbClr val="5B9BD5"/>
+      </a:accent1>
+      <a:accent2>
+        <a:srgbClr val="ED7D31"/>
+      </a:accent2>
+      <a:accent3>
+        <a:srgbClr val="A5A5A5"/>
+      </a:accent3>
+      <a:accent4>
+        <a:srgbClr val="FFC000"/>
+      </a:accent4>
+      <a:accent5>
+        <a:srgbClr val="4472C4"/>
+      </a:accent5>
+      <a:accent6>
+        <a:srgbClr val="70AD47"/>
+      </a:accent6>
+      <a:hlink>
+        <a:srgbClr val="0563C1"/>
+      </a:hlink>
+      <a:folHlink>
+        <a:srgbClr val="954F72"/>
+      </a:folHlink>
+    </a:clrScheme>
+    <a:fontScheme name="Office">
+      <a:majorFont>
+        <a:latin typeface="游ゴシック Light" panose="020F0302020204030204"/>
+        <a:ea typeface=""/>
+        <a:cs typeface=""/>
+        <a:font script="Jpan" typeface="游ゴシック Light"/>
+        <a:font script="Hang" typeface="맑은 고딕"/>
+        <a:font script="Hans" typeface="等线 Light"/>
+        <a:font script="Hant" typeface="新細明體"/>
+        <a:font script="Arab" typeface="Times New Roman"/>
+        <a:font script="Hebr" typeface="Times New Roman"/>
+        <a:font script="Thai" typeface="Angsana New"/>
+        <a:font script="Ethi" typeface="Nyala"/>
+        <a:font script="Beng" typeface="Vrinda"/>
+        <a:font script="Gujr" typeface="Shruti"/>
+        <a:font script="Khmr" typeface="MoolBoran"/>
+        <a:font script="Knda" typeface="Tunga"/>
+        <a:font script="Guru" typeface="Raavi"/>
+        <a:font script="Cans" typeface="Euphemia"/>
+        <a:font script="Cher" typeface="Plantagenet Cherokee"/>
+        <a:font script="Yiii" typeface="Microsoft Yi Baiti"/>
+        <a:font script="Tibt" typeface="Microsoft Himalaya"/>
+        <a:font script="Thaa" typeface="MV Boli"/>
+        <a:font script="Deva" typeface="Mangal"/>
+        <a:font script="Telu" typeface="Gautami"/>
+        <a:font script="Taml" typeface="Latha"/>
+        <a:font script="Syrc" typeface="Estrangelo Edessa"/>
+        <a:font script="Orya" typeface="Kalinga"/>
+        <a:font script="Mlym" typeface="Kartika"/>
+        <a:font script="Laoo" typeface="DokChampa"/>
+        <a:font script="Sinh" typeface="Iskoola Pota"/>
+        <a:font script="Mong" typeface="Mongolian Baiti"/>
+        <a:font script="Viet" typeface="Times New Roman"/>
+        <a:font script="Uigh" typeface="Microsoft Uighur"/>
+        <a:font script="Geor" typeface="Sylfaen"/>
+      </a:majorFont>
+      <a:minorFont>
+        <a:latin typeface="游ゴシック" panose="020F0502020204030204"/>
+        <a:ea typeface=""/>
+        <a:cs typeface=""/>
+        <a:font script="Jpan" typeface="游ゴシック"/>
+        <a:font script="Hang" typeface="맑은 고딕"/>
+        <a:font script="Hans" typeface="等线"/>
+        <a:font script="Hant" typeface="新細明體"/>
+        <a:font script="Arab" typeface="Arial"/>
+        <a:font script="Hebr" typeface="Arial"/>
+        <a:font script="Thai" typeface="Cordia New"/>
+        <a:font script="Ethi" typeface="Nyala"/>
+        <a:font script="Beng" typeface="Vrinda"/>
+        <a:font script="Gujr" typeface="Shruti"/>
+        <a:font script="Khmr" typeface="DaunPenh"/>
+        <a:font script="Knda" typeface="Tunga"/>
+        <a:font script="Guru" typeface="Raavi"/>
+        <a:font script="Cans" typeface="Euphemia"/>
+        <a:font script="Cher" typeface="Plantagenet Cherokee"/>
+        <a:font script="Yiii" typeface="Microsoft Yi Baiti"/>
+        <a:font script="Tibt" typeface="Microsoft Himalaya"/>
+        <a:font script="Thaa" typeface="MV Boli"/>
+        <a:font script="Deva" typeface="Mangal"/>
+        <a:font script="Telu" typeface="Gautami"/>
+        <a:font script="Taml" typeface="Latha"/>
+        <a:font script="Syrc" typeface="Estrangelo Edessa"/>
+        <a:font script="Orya" typeface="Kalinga"/>
+        <a:font script="Mlym" typeface="Kartika"/>
+        <a:font script="Laoo" typeface="DokChampa"/>
+        <a:font script="Sinh" typeface="Iskoola Pota"/>
+        <a:font script="Mong" typeface="Mongolian Baiti"/>
+        <a:font script="Viet" typeface="Arial"/>
+        <a:font script="Uigh" typeface="Microsoft Uighur"/>
+        <a:font script="Geor" typeface="Sylfaen"/>
+      </a:minorFont>
+    </a:fontScheme>
+    <a:fmtScheme name="Office">
+      <a:fillStyleLst>
+        <a:solidFill>
+          <a:schemeClr val="phClr"/>
+        </a:solidFill>
+        <a:gradFill rotWithShape="1">
+          <a:gsLst>
+            <a:gs pos="0">
+              <a:schemeClr val="phClr">
+                <a:lumMod val="110000"/>
+                <a:satMod val="105000"/>
+                <a:tint val="67000"/>
+              </a:schemeClr>
+            </a:gs>
+            <a:gs pos="50000">
+              <a:schemeClr val="phClr">
+                <a:lumMod val="105000"/>
+                <a:satMod val="103000"/>
+                <a:tint val="73000"/>
+              </a:schemeClr>
+            </a:gs>
+            <a:gs pos="100000">
+              <a:schemeClr val="phClr">
+                <a:lumMod val="105000"/>
+                <a:satMod val="109000"/>
+                <a:tint val="81000"/>
+              </a:schemeClr>
+            </a:gs>
+          </a:gsLst>
+          <a:lin ang="5400000" scaled="0"/>
+        </a:gradFill>
+        <a:gradFill rotWithShape="1">
+          <a:gsLst>
+            <a:gs pos="0">
+              <a:schemeClr val="phClr">
+                <a:satMod val="103000"/>
+                <a:lumMod val="102000"/>
+                <a:tint val="94000"/>
+              </a:schemeClr>
+            </a:gs>
+            <a:gs pos="50000">
+              <a:schemeClr val="phClr">
+                <a:satMod val="110000"/>
+                <a:lumMod val="100000"/>
+                <a:shade val="100000"/>
+              </a:schemeClr>
+            </a:gs>
+            <a:gs pos="100000">
+              <a:schemeClr val="phClr">
+                <a:lumMod val="99000"/>
+                <a:satMod val="120000"/>
+                <a:shade val="78000"/>
+              </a:schemeClr>
+            </a:gs>
+          </a:gsLst>
+          <a:lin ang="5400000" scaled="0"/>
+        </a:gradFill>
+      </a:fillStyleLst>
+      <a:lnStyleLst>
+        <a:ln w="6350" cap="flat" cmpd="sng" algn="ctr">
+          <a:solidFill>
+            <a:schemeClr val="phClr"/>
+          </a:solidFill>
+          <a:prstDash val="solid"/>
+          <a:miter lim="800000"/>
+        </a:ln>
+        <a:ln w="12700" cap="flat" cmpd="sng" algn="ctr">
+          <a:solidFill>
+            <a:schemeClr val="phClr"/>
+          </a:solidFill>
+          <a:prstDash val="solid"/>
+          <a:miter lim="800000"/>
+        </a:ln>
+        <a:ln w="19050" cap="flat" cmpd="sng" algn="ctr">
+          <a:solidFill>
+            <a:schemeClr val="phClr"/>
+          </a:solidFill>
+          <a:prstDash val="solid"/>
+          <a:miter lim="800000"/>
+        </a:ln>
+      </a:lnStyleLst>
+      <a:effectStyleLst>
+        <a:effectStyle>
+          <a:effectLst/>
+        </a:effectStyle>
+        <a:effectStyle>
+          <a:effectLst/>
+        </a:effectStyle>
+        <a:effectStyle>
+          <a:effectLst>
+            <a:outerShdw blurRad="57150" dist="19050" dir="5400000" algn="ctr" rotWithShape="0">
+              <a:srgbClr val="000000">
+                <a:alpha val="63000"/>
+              </a:srgbClr>
+            </a:outerShdw>
+          </a:effectLst>
+        </a:effectStyle>
+      </a:effectStyleLst>
+      <a:bgFillStyleLst>
+        <a:solidFill>
+          <a:schemeClr val="phClr"/>
+        </a:solidFill>
+        <a:solidFill>
+          <a:schemeClr val="phClr">
+            <a:tint val="95000"/>
+            <a:satMod val="170000"/>
+          </a:schemeClr>
+        </a:solidFill>
+        <a:gradFill rotWithShape="1">
+          <a:gsLst>
+            <a:gs pos="0">
+              <a:schemeClr val="phClr">
+                <a:tint val="93000"/>
+                <a:satMod val="150000"/>
+                <a:shade val="98000"/>
+                <a:lumMod val="102000"/>
+              </a:schemeClr>
+            </a:gs>
+            <a:gs pos="50000">
+              <a:schemeClr val="phClr">
+                <a:tint val="98000"/>
+                <a:satMod val="130000"/>
+                <a:shade val="90000"/>
+                <a:lumMod val="103000"/>
+              </a:schemeClr>
+            </a:gs>
+            <a:gs pos="100000">
+              <a:schemeClr val="phClr">
+                <a:shade val="63000"/>
+                <a:satMod val="120000"/>
+              </a:schemeClr>
+            </a:gs>
+          </a:gsLst>
+          <a:lin ang="5400000" scaled="0"/>
+        </a:gradFill>
+      </a:bgFillStyleLst>
+    </a:fmtScheme>
+  </a:themeElements>
+  <a:objectDefaults/>
+  <a:extraClrSchemeLst/>
+  <a:extLst>
+    <a:ext uri="{05A4C25C-085E-4340-85A3-A5531E510DB2}">
+      <thm15:themeFamily xmlns:thm15="http://schemas.microsoft.com/office/thememl/2012/main" name="Office Theme" id="{62F939B6-93AF-4DB8-9C6B-D6C7DFDC589F}" vid="{4A3C46E8-61CC-4603-A589-7422A47A8E4A}"/>
+    </a:ext>
+  </a:extLst>
+</a:theme>
 </file>